--- a/Mainsail and klipper RPI4 SKR3.pptx
+++ b/Mainsail and klipper RPI4 SKR3.pptx
@@ -15,6 +15,7 @@
     <p:sldId id="257" r:id="rId9"/>
     <p:sldId id="267" r:id="rId10"/>
     <p:sldId id="268" r:id="rId11"/>
+    <p:sldId id="277" r:id="rId12"/>
   </p:sldIdLst>
   <p:sldSz cx="12192000" cy="6858000"/>
   <p:notesSz cx="6858000" cy="9144000"/>
@@ -268,7 +269,7 @@
           <a:p>
             <a:fld id="{A9F5F783-7EEC-427D-9355-5A471A23EAF4}" type="datetimeFigureOut">
               <a:rPr lang="hu-HU" smtClean="0"/>
-              <a:t>2024. 09. 13.</a:t>
+              <a:t>2025. 07. 23.</a:t>
             </a:fld>
             <a:endParaRPr lang="hu-HU"/>
           </a:p>
@@ -466,7 +467,7 @@
           <a:p>
             <a:fld id="{A9F5F783-7EEC-427D-9355-5A471A23EAF4}" type="datetimeFigureOut">
               <a:rPr lang="hu-HU" smtClean="0"/>
-              <a:t>2024. 09. 13.</a:t>
+              <a:t>2025. 07. 23.</a:t>
             </a:fld>
             <a:endParaRPr lang="hu-HU"/>
           </a:p>
@@ -674,7 +675,7 @@
           <a:p>
             <a:fld id="{A9F5F783-7EEC-427D-9355-5A471A23EAF4}" type="datetimeFigureOut">
               <a:rPr lang="hu-HU" smtClean="0"/>
-              <a:t>2024. 09. 13.</a:t>
+              <a:t>2025. 07. 23.</a:t>
             </a:fld>
             <a:endParaRPr lang="hu-HU"/>
           </a:p>
@@ -872,7 +873,7 @@
           <a:p>
             <a:fld id="{A9F5F783-7EEC-427D-9355-5A471A23EAF4}" type="datetimeFigureOut">
               <a:rPr lang="hu-HU" smtClean="0"/>
-              <a:t>2024. 09. 13.</a:t>
+              <a:t>2025. 07. 23.</a:t>
             </a:fld>
             <a:endParaRPr lang="hu-HU"/>
           </a:p>
@@ -1147,7 +1148,7 @@
           <a:p>
             <a:fld id="{A9F5F783-7EEC-427D-9355-5A471A23EAF4}" type="datetimeFigureOut">
               <a:rPr lang="hu-HU" smtClean="0"/>
-              <a:t>2024. 09. 13.</a:t>
+              <a:t>2025. 07. 23.</a:t>
             </a:fld>
             <a:endParaRPr lang="hu-HU"/>
           </a:p>
@@ -1412,7 +1413,7 @@
           <a:p>
             <a:fld id="{A9F5F783-7EEC-427D-9355-5A471A23EAF4}" type="datetimeFigureOut">
               <a:rPr lang="hu-HU" smtClean="0"/>
-              <a:t>2024. 09. 13.</a:t>
+              <a:t>2025. 07. 23.</a:t>
             </a:fld>
             <a:endParaRPr lang="hu-HU"/>
           </a:p>
@@ -1824,7 +1825,7 @@
           <a:p>
             <a:fld id="{A9F5F783-7EEC-427D-9355-5A471A23EAF4}" type="datetimeFigureOut">
               <a:rPr lang="hu-HU" smtClean="0"/>
-              <a:t>2024. 09. 13.</a:t>
+              <a:t>2025. 07. 23.</a:t>
             </a:fld>
             <a:endParaRPr lang="hu-HU"/>
           </a:p>
@@ -1965,7 +1966,7 @@
           <a:p>
             <a:fld id="{A9F5F783-7EEC-427D-9355-5A471A23EAF4}" type="datetimeFigureOut">
               <a:rPr lang="hu-HU" smtClean="0"/>
-              <a:t>2024. 09. 13.</a:t>
+              <a:t>2025. 07. 23.</a:t>
             </a:fld>
             <a:endParaRPr lang="hu-HU"/>
           </a:p>
@@ -2078,7 +2079,7 @@
           <a:p>
             <a:fld id="{A9F5F783-7EEC-427D-9355-5A471A23EAF4}" type="datetimeFigureOut">
               <a:rPr lang="hu-HU" smtClean="0"/>
-              <a:t>2024. 09. 13.</a:t>
+              <a:t>2025. 07. 23.</a:t>
             </a:fld>
             <a:endParaRPr lang="hu-HU"/>
           </a:p>
@@ -2389,7 +2390,7 @@
           <a:p>
             <a:fld id="{A9F5F783-7EEC-427D-9355-5A471A23EAF4}" type="datetimeFigureOut">
               <a:rPr lang="hu-HU" smtClean="0"/>
-              <a:t>2024. 09. 13.</a:t>
+              <a:t>2025. 07. 23.</a:t>
             </a:fld>
             <a:endParaRPr lang="hu-HU"/>
           </a:p>
@@ -2677,7 +2678,7 @@
           <a:p>
             <a:fld id="{A9F5F783-7EEC-427D-9355-5A471A23EAF4}" type="datetimeFigureOut">
               <a:rPr lang="hu-HU" smtClean="0"/>
-              <a:t>2024. 09. 13.</a:t>
+              <a:t>2025. 07. 23.</a:t>
             </a:fld>
             <a:endParaRPr lang="hu-HU"/>
           </a:p>
@@ -2918,7 +2919,7 @@
           <a:p>
             <a:fld id="{A9F5F783-7EEC-427D-9355-5A471A23EAF4}" type="datetimeFigureOut">
               <a:rPr lang="hu-HU" smtClean="0"/>
-              <a:t>2024. 09. 13.</a:t>
+              <a:t>2025. 07. 23.</a:t>
             </a:fld>
             <a:endParaRPr lang="hu-HU"/>
           </a:p>
@@ -3741,6 +3742,250 @@
     <p:extLst>
       <p:ext uri="{BB962C8B-B14F-4D97-AF65-F5344CB8AC3E}">
         <p14:creationId xmlns:p14="http://schemas.microsoft.com/office/powerpoint/2010/main" val="946348318"/>
+      </p:ext>
+    </p:extLst>
+  </p:cSld>
+  <p:clrMapOvr>
+    <a:masterClrMapping/>
+  </p:clrMapOvr>
+</p:sld>
+</file>
+
+<file path=ppt/slides/slide11.xml><?xml version="1.0" encoding="utf-8"?>
+<p:sld xmlns:a="http://schemas.openxmlformats.org/drawingml/2006/main" xmlns:r="http://schemas.openxmlformats.org/officeDocument/2006/relationships" xmlns:p="http://schemas.openxmlformats.org/presentationml/2006/main">
+  <p:cSld>
+    <p:spTree>
+      <p:nvGrpSpPr>
+        <p:cNvPr id="1" name="">
+          <a:extLst>
+            <a:ext uri="{FF2B5EF4-FFF2-40B4-BE49-F238E27FC236}">
+              <a16:creationId xmlns:a16="http://schemas.microsoft.com/office/drawing/2014/main" id="{24A7BA47-64B2-5AA1-1978-DBD0180E5CCD}"/>
+            </a:ext>
+          </a:extLst>
+        </p:cNvPr>
+        <p:cNvGrpSpPr/>
+        <p:nvPr/>
+      </p:nvGrpSpPr>
+      <p:grpSpPr>
+        <a:xfrm>
+          <a:off x="0" y="0"/>
+          <a:ext cx="0" cy="0"/>
+          <a:chOff x="0" y="0"/>
+          <a:chExt cx="0" cy="0"/>
+        </a:xfrm>
+      </p:grpSpPr>
+      <p:pic>
+        <p:nvPicPr>
+          <p:cNvPr id="3" name="Kép 2">
+            <a:extLst>
+              <a:ext uri="{FF2B5EF4-FFF2-40B4-BE49-F238E27FC236}">
+                <a16:creationId xmlns:a16="http://schemas.microsoft.com/office/drawing/2014/main" id="{7107BE64-C194-1582-92C7-B3198C223ADD}"/>
+              </a:ext>
+            </a:extLst>
+          </p:cNvPr>
+          <p:cNvPicPr>
+            <a:picLocks noChangeAspect="1"/>
+          </p:cNvPicPr>
+          <p:nvPr/>
+        </p:nvPicPr>
+        <p:blipFill>
+          <a:blip r:embed="rId2"/>
+          <a:stretch>
+            <a:fillRect/>
+          </a:stretch>
+        </p:blipFill>
+        <p:spPr>
+          <a:xfrm>
+            <a:off x="1346806" y="1155777"/>
+            <a:ext cx="10006994" cy="5324535"/>
+          </a:xfrm>
+          <a:prstGeom prst="rect">
+            <a:avLst/>
+          </a:prstGeom>
+        </p:spPr>
+      </p:pic>
+      <p:sp>
+        <p:nvSpPr>
+          <p:cNvPr id="5" name="Rectangle 1">
+            <a:extLst>
+              <a:ext uri="{FF2B5EF4-FFF2-40B4-BE49-F238E27FC236}">
+                <a16:creationId xmlns:a16="http://schemas.microsoft.com/office/drawing/2014/main" id="{FF8C1784-B6DA-20E3-8EE2-4DD2B80087E6}"/>
+              </a:ext>
+            </a:extLst>
+          </p:cNvPr>
+          <p:cNvSpPr txBox="1">
+            <a:spLocks noChangeArrowheads="1"/>
+          </p:cNvSpPr>
+          <p:nvPr/>
+        </p:nvSpPr>
+        <p:spPr bwMode="auto">
+          <a:xfrm>
+            <a:off x="838200" y="377688"/>
+            <a:ext cx="2598788" cy="461665"/>
+          </a:xfrm>
+          <a:prstGeom prst="rect">
+            <a:avLst/>
+          </a:prstGeom>
+          <a:noFill/>
+          <a:ln>
+            <a:noFill/>
+          </a:ln>
+          <a:effectLst/>
+          <a:extLst>
+            <a:ext uri="{909E8E84-426E-40DD-AFC4-6F175D3DCCD1}">
+              <a14:hiddenFill xmlns:a14="http://schemas.microsoft.com/office/drawing/2010/main">
+                <a:solidFill>
+                  <a:schemeClr val="accent1"/>
+                </a:solidFill>
+              </a14:hiddenFill>
+            </a:ext>
+            <a:ext uri="{91240B29-F687-4F45-9708-019B960494DF}">
+              <a14:hiddenLine xmlns:a14="http://schemas.microsoft.com/office/drawing/2010/main" w="9525">
+                <a:solidFill>
+                  <a:schemeClr val="tx1"/>
+                </a:solidFill>
+                <a:miter lim="800000"/>
+                <a:headEnd/>
+                <a:tailEnd/>
+              </a14:hiddenLine>
+            </a:ext>
+            <a:ext uri="{AF507438-7753-43E0-B8FC-AC1667EBCBE1}">
+              <a14:hiddenEffects xmlns:a14="http://schemas.microsoft.com/office/drawing/2010/main">
+                <a:effectLst>
+                  <a:outerShdw dist="35921" dir="2700000" algn="ctr" rotWithShape="0">
+                    <a:schemeClr val="bg2"/>
+                  </a:outerShdw>
+                </a:effectLst>
+              </a14:hiddenEffects>
+            </a:ext>
+          </a:extLst>
+        </p:spPr>
+        <p:txBody>
+          <a:bodyPr vert="horz" wrap="none" lIns="91440" tIns="45720" rIns="91440" bIns="45720" numCol="1" rtlCol="0" anchor="ctr" anchorCtr="0" compatLnSpc="1">
+            <a:prstTxWarp prst="textNoShape">
+              <a:avLst/>
+            </a:prstTxWarp>
+            <a:spAutoFit/>
+          </a:bodyPr>
+          <a:lstStyle>
+            <a:lvl1pPr algn="ctr" defTabSz="914400" rtl="0" eaLnBrk="1" latinLnBrk="0" hangingPunct="1">
+              <a:lnSpc>
+                <a:spcPct val="90000"/>
+              </a:lnSpc>
+              <a:spcBef>
+                <a:spcPct val="0"/>
+              </a:spcBef>
+              <a:buNone/>
+              <a:defRPr sz="6000" kern="1200">
+                <a:solidFill>
+                  <a:schemeClr val="tx1"/>
+                </a:solidFill>
+                <a:latin typeface="+mj-lt"/>
+                <a:ea typeface="+mj-ea"/>
+                <a:cs typeface="+mj-cs"/>
+              </a:defRPr>
+            </a:lvl1pPr>
+          </a:lstStyle>
+          <a:p>
+            <a:pPr algn="l" eaLnBrk="0" fontAlgn="base" hangingPunct="0">
+              <a:lnSpc>
+                <a:spcPct val="100000"/>
+              </a:lnSpc>
+              <a:spcAft>
+                <a:spcPct val="0"/>
+              </a:spcAft>
+            </a:pPr>
+            <a:r>
+              <a:rPr lang="hu-HU" sz="2400" dirty="0" err="1">
+                <a:latin typeface="Arial" panose="020B0604020202020204" pitchFamily="34" charset="0"/>
+                <a:cs typeface="Arial" panose="020B0604020202020204" pitchFamily="34" charset="0"/>
+              </a:rPr>
+              <a:t>IdeaMaker</a:t>
+            </a:r>
+            <a:r>
+              <a:rPr lang="hu-HU" sz="2400" dirty="0">
+                <a:latin typeface="Arial" panose="020B0604020202020204" pitchFamily="34" charset="0"/>
+                <a:cs typeface="Arial" panose="020B0604020202020204" pitchFamily="34" charset="0"/>
+              </a:rPr>
+              <a:t> </a:t>
+            </a:r>
+            <a:r>
+              <a:rPr lang="hu-HU" sz="2400" dirty="0" err="1">
+                <a:latin typeface="Arial" panose="020B0604020202020204" pitchFamily="34" charset="0"/>
+                <a:cs typeface="Arial" panose="020B0604020202020204" pitchFamily="34" charset="0"/>
+              </a:rPr>
+              <a:t>Profile</a:t>
+            </a:r>
+            <a:endParaRPr lang="en-US" sz="2400" dirty="0">
+              <a:latin typeface="Arial" panose="020B0604020202020204" pitchFamily="34" charset="0"/>
+              <a:cs typeface="Arial" panose="020B0604020202020204" pitchFamily="34" charset="0"/>
+            </a:endParaRPr>
+          </a:p>
+        </p:txBody>
+      </p:sp>
+      <p:sp>
+        <p:nvSpPr>
+          <p:cNvPr id="10" name="Dia számának helye 9">
+            <a:extLst>
+              <a:ext uri="{FF2B5EF4-FFF2-40B4-BE49-F238E27FC236}">
+                <a16:creationId xmlns:a16="http://schemas.microsoft.com/office/drawing/2014/main" id="{0B391105-2BF1-A375-5CAC-FB3BA096C0AB}"/>
+              </a:ext>
+            </a:extLst>
+          </p:cNvPr>
+          <p:cNvSpPr>
+            <a:spLocks noGrp="1"/>
+          </p:cNvSpPr>
+          <p:nvPr>
+            <p:ph type="sldNum" sz="quarter" idx="12"/>
+          </p:nvPr>
+        </p:nvSpPr>
+        <p:spPr/>
+        <p:txBody>
+          <a:bodyPr/>
+          <a:lstStyle/>
+          <a:p>
+            <a:fld id="{14E52168-B9DD-41CD-A642-D7ABA3F47CE8}" type="slidenum">
+              <a:rPr lang="hu-HU" smtClean="0"/>
+              <a:t>11</a:t>
+            </a:fld>
+            <a:endParaRPr lang="hu-HU"/>
+          </a:p>
+        </p:txBody>
+      </p:sp>
+      <p:pic>
+        <p:nvPicPr>
+          <p:cNvPr id="12" name="Kép 11">
+            <a:extLst>
+              <a:ext uri="{FF2B5EF4-FFF2-40B4-BE49-F238E27FC236}">
+                <a16:creationId xmlns:a16="http://schemas.microsoft.com/office/drawing/2014/main" id="{B9961E47-8248-20C6-DAC1-9083E621126A}"/>
+              </a:ext>
+            </a:extLst>
+          </p:cNvPr>
+          <p:cNvPicPr>
+            <a:picLocks noChangeAspect="1"/>
+          </p:cNvPicPr>
+          <p:nvPr/>
+        </p:nvPicPr>
+        <p:blipFill>
+          <a:blip r:embed="rId3"/>
+          <a:stretch>
+            <a:fillRect/>
+          </a:stretch>
+        </p:blipFill>
+        <p:spPr>
+          <a:xfrm>
+            <a:off x="1346806" y="5236655"/>
+            <a:ext cx="6590681" cy="1243657"/>
+          </a:xfrm>
+          <a:prstGeom prst="rect">
+            <a:avLst/>
+          </a:prstGeom>
+        </p:spPr>
+      </p:pic>
+    </p:spTree>
+    <p:extLst>
+      <p:ext uri="{BB962C8B-B14F-4D97-AF65-F5344CB8AC3E}">
+        <p14:creationId xmlns:p14="http://schemas.microsoft.com/office/powerpoint/2010/main" val="1572368598"/>
       </p:ext>
     </p:extLst>
   </p:cSld>

--- a/Mainsail and klipper RPI4 SKR3.pptx
+++ b/Mainsail and klipper RPI4 SKR3.pptx
@@ -14,8 +14,9 @@
     <p:sldId id="266" r:id="rId8"/>
     <p:sldId id="257" r:id="rId9"/>
     <p:sldId id="267" r:id="rId10"/>
-    <p:sldId id="268" r:id="rId11"/>
-    <p:sldId id="277" r:id="rId12"/>
+    <p:sldId id="278" r:id="rId11"/>
+    <p:sldId id="268" r:id="rId12"/>
+    <p:sldId id="277" r:id="rId13"/>
   </p:sldIdLst>
   <p:sldSz cx="12192000" cy="6858000"/>
   <p:notesSz cx="6858000" cy="9144000"/>
@@ -269,7 +270,7 @@
           <a:p>
             <a:fld id="{A9F5F783-7EEC-427D-9355-5A471A23EAF4}" type="datetimeFigureOut">
               <a:rPr lang="hu-HU" smtClean="0"/>
-              <a:t>2025. 07. 23.</a:t>
+              <a:t>2026. 02. 05.</a:t>
             </a:fld>
             <a:endParaRPr lang="hu-HU"/>
           </a:p>
@@ -467,7 +468,7 @@
           <a:p>
             <a:fld id="{A9F5F783-7EEC-427D-9355-5A471A23EAF4}" type="datetimeFigureOut">
               <a:rPr lang="hu-HU" smtClean="0"/>
-              <a:t>2025. 07. 23.</a:t>
+              <a:t>2026. 02. 05.</a:t>
             </a:fld>
             <a:endParaRPr lang="hu-HU"/>
           </a:p>
@@ -675,7 +676,7 @@
           <a:p>
             <a:fld id="{A9F5F783-7EEC-427D-9355-5A471A23EAF4}" type="datetimeFigureOut">
               <a:rPr lang="hu-HU" smtClean="0"/>
-              <a:t>2025. 07. 23.</a:t>
+              <a:t>2026. 02. 05.</a:t>
             </a:fld>
             <a:endParaRPr lang="hu-HU"/>
           </a:p>
@@ -873,7 +874,7 @@
           <a:p>
             <a:fld id="{A9F5F783-7EEC-427D-9355-5A471A23EAF4}" type="datetimeFigureOut">
               <a:rPr lang="hu-HU" smtClean="0"/>
-              <a:t>2025. 07. 23.</a:t>
+              <a:t>2026. 02. 05.</a:t>
             </a:fld>
             <a:endParaRPr lang="hu-HU"/>
           </a:p>
@@ -1148,7 +1149,7 @@
           <a:p>
             <a:fld id="{A9F5F783-7EEC-427D-9355-5A471A23EAF4}" type="datetimeFigureOut">
               <a:rPr lang="hu-HU" smtClean="0"/>
-              <a:t>2025. 07. 23.</a:t>
+              <a:t>2026. 02. 05.</a:t>
             </a:fld>
             <a:endParaRPr lang="hu-HU"/>
           </a:p>
@@ -1413,7 +1414,7 @@
           <a:p>
             <a:fld id="{A9F5F783-7EEC-427D-9355-5A471A23EAF4}" type="datetimeFigureOut">
               <a:rPr lang="hu-HU" smtClean="0"/>
-              <a:t>2025. 07. 23.</a:t>
+              <a:t>2026. 02. 05.</a:t>
             </a:fld>
             <a:endParaRPr lang="hu-HU"/>
           </a:p>
@@ -1825,7 +1826,7 @@
           <a:p>
             <a:fld id="{A9F5F783-7EEC-427D-9355-5A471A23EAF4}" type="datetimeFigureOut">
               <a:rPr lang="hu-HU" smtClean="0"/>
-              <a:t>2025. 07. 23.</a:t>
+              <a:t>2026. 02. 05.</a:t>
             </a:fld>
             <a:endParaRPr lang="hu-HU"/>
           </a:p>
@@ -1966,7 +1967,7 @@
           <a:p>
             <a:fld id="{A9F5F783-7EEC-427D-9355-5A471A23EAF4}" type="datetimeFigureOut">
               <a:rPr lang="hu-HU" smtClean="0"/>
-              <a:t>2025. 07. 23.</a:t>
+              <a:t>2026. 02. 05.</a:t>
             </a:fld>
             <a:endParaRPr lang="hu-HU"/>
           </a:p>
@@ -2079,7 +2080,7 @@
           <a:p>
             <a:fld id="{A9F5F783-7EEC-427D-9355-5A471A23EAF4}" type="datetimeFigureOut">
               <a:rPr lang="hu-HU" smtClean="0"/>
-              <a:t>2025. 07. 23.</a:t>
+              <a:t>2026. 02. 05.</a:t>
             </a:fld>
             <a:endParaRPr lang="hu-HU"/>
           </a:p>
@@ -2390,7 +2391,7 @@
           <a:p>
             <a:fld id="{A9F5F783-7EEC-427D-9355-5A471A23EAF4}" type="datetimeFigureOut">
               <a:rPr lang="hu-HU" smtClean="0"/>
-              <a:t>2025. 07. 23.</a:t>
+              <a:t>2026. 02. 05.</a:t>
             </a:fld>
             <a:endParaRPr lang="hu-HU"/>
           </a:p>
@@ -2678,7 +2679,7 @@
           <a:p>
             <a:fld id="{A9F5F783-7EEC-427D-9355-5A471A23EAF4}" type="datetimeFigureOut">
               <a:rPr lang="hu-HU" smtClean="0"/>
-              <a:t>2025. 07. 23.</a:t>
+              <a:t>2026. 02. 05.</a:t>
             </a:fld>
             <a:endParaRPr lang="hu-HU"/>
           </a:p>
@@ -2919,7 +2920,7 @@
           <a:p>
             <a:fld id="{A9F5F783-7EEC-427D-9355-5A471A23EAF4}" type="datetimeFigureOut">
               <a:rPr lang="hu-HU" smtClean="0"/>
-              <a:t>2025. 07. 23.</a:t>
+              <a:t>2026. 02. 05.</a:t>
             </a:fld>
             <a:endParaRPr lang="hu-HU"/>
           </a:p>
@@ -3544,12 +3545,65 @@
           <a:chExt cx="0" cy="0"/>
         </a:xfrm>
       </p:grpSpPr>
+      <p:sp>
+        <p:nvSpPr>
+          <p:cNvPr id="4" name="Szövegdoboz 3">
+            <a:extLst>
+              <a:ext uri="{FF2B5EF4-FFF2-40B4-BE49-F238E27FC236}">
+                <a16:creationId xmlns:a16="http://schemas.microsoft.com/office/drawing/2014/main" id="{01D80B46-9A68-3E48-EC16-D749C0EC3AED}"/>
+              </a:ext>
+            </a:extLst>
+          </p:cNvPr>
+          <p:cNvSpPr txBox="1"/>
+          <p:nvPr/>
+        </p:nvSpPr>
+        <p:spPr>
+          <a:xfrm>
+            <a:off x="838200" y="1204989"/>
+            <a:ext cx="8022210" cy="923330"/>
+          </a:xfrm>
+          <a:prstGeom prst="rect">
+            <a:avLst/>
+          </a:prstGeom>
+          <a:noFill/>
+        </p:spPr>
+        <p:txBody>
+          <a:bodyPr wrap="square" rtlCol="0">
+            <a:spAutoFit/>
+          </a:bodyPr>
+          <a:lstStyle/>
+          <a:p>
+            <a:r>
+              <a:rPr lang="en-US" noProof="0" dirty="0"/>
+              <a:t>Download Tera Term and -&gt; host</a:t>
+            </a:r>
+            <a:r>
+              <a:rPr lang="hu-HU" dirty="0"/>
+              <a:t>=</a:t>
+            </a:r>
+            <a:r>
+              <a:rPr lang="hu-HU" dirty="0" err="1"/>
+              <a:t>pi@mainsailos</a:t>
+            </a:r>
+            <a:r>
+              <a:rPr lang="en-US" noProof="0" dirty="0"/>
+              <a:t>-&gt; 192.168.0.127 -&gt; pi1 and password</a:t>
+            </a:r>
+          </a:p>
+          <a:p>
+            <a:r>
+              <a:rPr lang="en-US" noProof="0" dirty="0"/>
+              <a:t>Get USB ID: ls /dev/serial/by-id/*</a:t>
+            </a:r>
+          </a:p>
+        </p:txBody>
+      </p:sp>
       <p:pic>
         <p:nvPicPr>
-          <p:cNvPr id="3" name="Kép 2">
-            <a:extLst>
-              <a:ext uri="{FF2B5EF4-FFF2-40B4-BE49-F238E27FC236}">
-                <a16:creationId xmlns:a16="http://schemas.microsoft.com/office/drawing/2014/main" id="{D165A8B4-7A6A-B513-42FD-E52C37EE2715}"/>
+          <p:cNvPr id="5" name="Kép 4">
+            <a:extLst>
+              <a:ext uri="{FF2B5EF4-FFF2-40B4-BE49-F238E27FC236}">
+                <a16:creationId xmlns:a16="http://schemas.microsoft.com/office/drawing/2014/main" id="{E32A2F2C-95A8-484D-A455-941CFA05701A}"/>
               </a:ext>
             </a:extLst>
           </p:cNvPr>
@@ -3566,8 +3620,8 @@
         </p:blipFill>
         <p:spPr>
           <a:xfrm>
-            <a:off x="6453466" y="962877"/>
-            <a:ext cx="3772227" cy="4366638"/>
+            <a:off x="603314" y="2518423"/>
+            <a:ext cx="6794675" cy="3644343"/>
           </a:xfrm>
           <a:prstGeom prst="rect">
             <a:avLst/>
@@ -3576,10 +3630,10 @@
       </p:pic>
       <p:pic>
         <p:nvPicPr>
-          <p:cNvPr id="9" name="Kép 8">
-            <a:extLst>
-              <a:ext uri="{FF2B5EF4-FFF2-40B4-BE49-F238E27FC236}">
-                <a16:creationId xmlns:a16="http://schemas.microsoft.com/office/drawing/2014/main" id="{1A2C3B26-5B61-602E-81BF-801F4DEE34E5}"/>
+          <p:cNvPr id="7" name="Kép 6">
+            <a:extLst>
+              <a:ext uri="{FF2B5EF4-FFF2-40B4-BE49-F238E27FC236}">
+                <a16:creationId xmlns:a16="http://schemas.microsoft.com/office/drawing/2014/main" id="{0897AF32-1906-7D5B-1FDE-7CF3FE577DC4}"/>
               </a:ext>
             </a:extLst>
           </p:cNvPr>
@@ -3596,110 +3650,20 @@
         </p:blipFill>
         <p:spPr>
           <a:xfrm>
-            <a:off x="5879895" y="3978111"/>
-            <a:ext cx="829378" cy="721265"/>
+            <a:off x="7507400" y="2712236"/>
+            <a:ext cx="4019412" cy="3256715"/>
           </a:xfrm>
           <a:prstGeom prst="rect">
             <a:avLst/>
           </a:prstGeom>
         </p:spPr>
       </p:pic>
-      <p:pic>
-        <p:nvPicPr>
-          <p:cNvPr id="11" name="Kép 10">
-            <a:extLst>
-              <a:ext uri="{FF2B5EF4-FFF2-40B4-BE49-F238E27FC236}">
-                <a16:creationId xmlns:a16="http://schemas.microsoft.com/office/drawing/2014/main" id="{58FA2AA2-3F34-121A-18C1-B344FEF9C566}"/>
-              </a:ext>
-            </a:extLst>
-          </p:cNvPr>
-          <p:cNvPicPr>
-            <a:picLocks noChangeAspect="1"/>
-          </p:cNvPicPr>
-          <p:nvPr/>
-        </p:nvPicPr>
-        <p:blipFill>
-          <a:blip r:embed="rId4"/>
-          <a:stretch>
-            <a:fillRect/>
-          </a:stretch>
-        </p:blipFill>
-        <p:spPr>
-          <a:xfrm>
-            <a:off x="5789228" y="5006390"/>
-            <a:ext cx="1010712" cy="788518"/>
-          </a:xfrm>
-          <a:prstGeom prst="rect">
-            <a:avLst/>
-          </a:prstGeom>
-        </p:spPr>
-      </p:pic>
-      <p:pic>
-        <p:nvPicPr>
-          <p:cNvPr id="5" name="Kép 4">
-            <a:extLst>
-              <a:ext uri="{FF2B5EF4-FFF2-40B4-BE49-F238E27FC236}">
-                <a16:creationId xmlns:a16="http://schemas.microsoft.com/office/drawing/2014/main" id="{931A50D0-475E-63BE-D903-19C250B95776}"/>
-              </a:ext>
-            </a:extLst>
-          </p:cNvPr>
-          <p:cNvPicPr>
-            <a:picLocks noChangeAspect="1"/>
-          </p:cNvPicPr>
-          <p:nvPr/>
-        </p:nvPicPr>
-        <p:blipFill>
-          <a:blip r:embed="rId5"/>
-          <a:stretch>
-            <a:fillRect/>
-          </a:stretch>
-        </p:blipFill>
-        <p:spPr>
-          <a:xfrm>
-            <a:off x="1211159" y="1300619"/>
-            <a:ext cx="4093925" cy="4864790"/>
-          </a:xfrm>
-          <a:prstGeom prst="rect">
-            <a:avLst/>
-          </a:prstGeom>
-        </p:spPr>
-      </p:pic>
-      <p:pic>
-        <p:nvPicPr>
-          <p:cNvPr id="8" name="Kép 7">
-            <a:extLst>
-              <a:ext uri="{FF2B5EF4-FFF2-40B4-BE49-F238E27FC236}">
-                <a16:creationId xmlns:a16="http://schemas.microsoft.com/office/drawing/2014/main" id="{2608131A-C017-FACF-36ED-BD4FF43C6CCF}"/>
-              </a:ext>
-            </a:extLst>
-          </p:cNvPr>
-          <p:cNvPicPr>
-            <a:picLocks noChangeAspect="1"/>
-          </p:cNvPicPr>
-          <p:nvPr/>
-        </p:nvPicPr>
-        <p:blipFill>
-          <a:blip r:embed="rId6"/>
-          <a:stretch>
-            <a:fillRect/>
-          </a:stretch>
-        </p:blipFill>
-        <p:spPr>
-          <a:xfrm>
-            <a:off x="9401939" y="3864990"/>
-            <a:ext cx="2236559" cy="2583381"/>
-          </a:xfrm>
-          <a:prstGeom prst="rect">
-            <a:avLst/>
-          </a:prstGeom>
-        </p:spPr>
-      </p:pic>
-      <p:sp>
-        <p:nvSpPr>
-          <p:cNvPr id="10" name="Szövegdoboz 9">
-            <a:extLst>
-              <a:ext uri="{FF2B5EF4-FFF2-40B4-BE49-F238E27FC236}">
-                <a16:creationId xmlns:a16="http://schemas.microsoft.com/office/drawing/2014/main" id="{214B4D72-F884-30E7-2C13-3A16E744A8C2}"/>
+      <p:sp>
+        <p:nvSpPr>
+          <p:cNvPr id="9" name="Szövegdoboz 8">
+            <a:extLst>
+              <a:ext uri="{FF2B5EF4-FFF2-40B4-BE49-F238E27FC236}">
+                <a16:creationId xmlns:a16="http://schemas.microsoft.com/office/drawing/2014/main" id="{B91B4966-3DF1-5D51-4139-CB0EDC1039F0}"/>
               </a:ext>
             </a:extLst>
           </p:cNvPr>
@@ -3708,8 +3672,8 @@
         </p:nvSpPr>
         <p:spPr>
           <a:xfrm>
-            <a:off x="857839" y="452487"/>
-            <a:ext cx="4242062" cy="369332"/>
+            <a:off x="838200" y="2032291"/>
+            <a:ext cx="6094428" cy="369332"/>
           </a:xfrm>
           <a:prstGeom prst="rect">
             <a:avLst/>
@@ -3717,99 +3681,45 @@
           <a:noFill/>
         </p:spPr>
         <p:txBody>
-          <a:bodyPr wrap="square" rtlCol="0">
+          <a:bodyPr wrap="square">
             <a:spAutoFit/>
           </a:bodyPr>
           <a:lstStyle/>
           <a:p>
             <a:r>
-              <a:rPr lang="hu-HU" dirty="0" err="1"/>
-              <a:t>Volcano</a:t>
-            </a:r>
-            <a:r>
-              <a:rPr lang="hu-HU" dirty="0"/>
-              <a:t> V6 </a:t>
-            </a:r>
-            <a:r>
-              <a:rPr lang="hu-HU" dirty="0" err="1"/>
-              <a:t>extruder</a:t>
-            </a:r>
-            <a:endParaRPr lang="hu-HU" dirty="0"/>
-          </a:p>
-        </p:txBody>
-      </p:sp>
-    </p:spTree>
-    <p:extLst>
-      <p:ext uri="{BB962C8B-B14F-4D97-AF65-F5344CB8AC3E}">
-        <p14:creationId xmlns:p14="http://schemas.microsoft.com/office/powerpoint/2010/main" val="946348318"/>
-      </p:ext>
-    </p:extLst>
-  </p:cSld>
-  <p:clrMapOvr>
-    <a:masterClrMapping/>
-  </p:clrMapOvr>
-</p:sld>
-</file>
-
-<file path=ppt/slides/slide11.xml><?xml version="1.0" encoding="utf-8"?>
-<p:sld xmlns:a="http://schemas.openxmlformats.org/drawingml/2006/main" xmlns:r="http://schemas.openxmlformats.org/officeDocument/2006/relationships" xmlns:p="http://schemas.openxmlformats.org/presentationml/2006/main">
-  <p:cSld>
-    <p:spTree>
-      <p:nvGrpSpPr>
-        <p:cNvPr id="1" name="">
-          <a:extLst>
-            <a:ext uri="{FF2B5EF4-FFF2-40B4-BE49-F238E27FC236}">
-              <a16:creationId xmlns:a16="http://schemas.microsoft.com/office/drawing/2014/main" id="{24A7BA47-64B2-5AA1-1978-DBD0180E5CCD}"/>
-            </a:ext>
-          </a:extLst>
-        </p:cNvPr>
-        <p:cNvGrpSpPr/>
-        <p:nvPr/>
-      </p:nvGrpSpPr>
-      <p:grpSpPr>
-        <a:xfrm>
-          <a:off x="0" y="0"/>
-          <a:ext cx="0" cy="0"/>
-          <a:chOff x="0" y="0"/>
-          <a:chExt cx="0" cy="0"/>
-        </a:xfrm>
-      </p:grpSpPr>
-      <p:pic>
-        <p:nvPicPr>
-          <p:cNvPr id="3" name="Kép 2">
-            <a:extLst>
-              <a:ext uri="{FF2B5EF4-FFF2-40B4-BE49-F238E27FC236}">
-                <a16:creationId xmlns:a16="http://schemas.microsoft.com/office/drawing/2014/main" id="{7107BE64-C194-1582-92C7-B3198C223ADD}"/>
-              </a:ext>
-            </a:extLst>
-          </p:cNvPr>
-          <p:cNvPicPr>
-            <a:picLocks noChangeAspect="1"/>
-          </p:cNvPicPr>
-          <p:nvPr/>
-        </p:nvPicPr>
-        <p:blipFill>
-          <a:blip r:embed="rId2"/>
-          <a:stretch>
-            <a:fillRect/>
-          </a:stretch>
-        </p:blipFill>
-        <p:spPr>
-          <a:xfrm>
-            <a:off x="1346806" y="1155777"/>
-            <a:ext cx="10006994" cy="5324535"/>
-          </a:xfrm>
-          <a:prstGeom prst="rect">
-            <a:avLst/>
-          </a:prstGeom>
-        </p:spPr>
-      </p:pic>
-      <p:sp>
-        <p:nvSpPr>
-          <p:cNvPr id="5" name="Rectangle 1">
-            <a:extLst>
-              <a:ext uri="{FF2B5EF4-FFF2-40B4-BE49-F238E27FC236}">
-                <a16:creationId xmlns:a16="http://schemas.microsoft.com/office/drawing/2014/main" id="{FF8C1784-B6DA-20E3-8EE2-4DD2B80087E6}"/>
+              <a:rPr lang="en-US" noProof="0" dirty="0">
+                <a:hlinkClick r:id="rId4"/>
+              </a:rPr>
+              <a:t>Release Tera Term 5.3 · </a:t>
+            </a:r>
+            <a:r>
+              <a:rPr lang="en-US" noProof="0" dirty="0" err="1">
+                <a:hlinkClick r:id="rId4"/>
+              </a:rPr>
+              <a:t>TeraTermProject</a:t>
+            </a:r>
+            <a:r>
+              <a:rPr lang="en-US" noProof="0" dirty="0">
+                <a:hlinkClick r:id="rId4"/>
+              </a:rPr>
+              <a:t>/</a:t>
+            </a:r>
+            <a:r>
+              <a:rPr lang="en-US" noProof="0" dirty="0" err="1">
+                <a:hlinkClick r:id="rId4"/>
+              </a:rPr>
+              <a:t>teraterm</a:t>
+            </a:r>
+            <a:endParaRPr lang="en-US" noProof="0" dirty="0"/>
+          </a:p>
+        </p:txBody>
+      </p:sp>
+      <p:sp>
+        <p:nvSpPr>
+          <p:cNvPr id="3" name="Rectangle 1">
+            <a:extLst>
+              <a:ext uri="{FF2B5EF4-FFF2-40B4-BE49-F238E27FC236}">
+                <a16:creationId xmlns:a16="http://schemas.microsoft.com/office/drawing/2014/main" id="{8B108079-CAAF-F4F3-3691-575B1BE02EA4}"/>
               </a:ext>
             </a:extLst>
           </p:cNvPr>
@@ -3820,8 +3730,8 @@
         </p:nvSpPr>
         <p:spPr bwMode="auto">
           <a:xfrm>
-            <a:off x="838200" y="377688"/>
-            <a:ext cx="2598788" cy="461665"/>
+            <a:off x="838200" y="193022"/>
+            <a:ext cx="7118937" cy="830997"/>
           </a:xfrm>
           <a:prstGeom prst="rect">
             <a:avLst/>
@@ -3896,6 +3806,558 @@
               </a:spcAft>
             </a:pPr>
             <a:r>
+              <a:rPr lang="en-US" sz="2400" dirty="0">
+                <a:latin typeface="Arial" panose="020B0604020202020204" pitchFamily="34" charset="0"/>
+                <a:cs typeface="Arial" panose="020B0604020202020204" pitchFamily="34" charset="0"/>
+              </a:rPr>
+              <a:t>Upgrading Anet A8 Plus to Klipper with MainsailOS</a:t>
+            </a:r>
+            <a:br>
+              <a:rPr lang="en-US" sz="2400" dirty="0">
+                <a:latin typeface="Arial" panose="020B0604020202020204" pitchFamily="34" charset="0"/>
+                <a:cs typeface="Arial" panose="020B0604020202020204" pitchFamily="34" charset="0"/>
+              </a:rPr>
+            </a:br>
+            <a:r>
+              <a:rPr lang="en-US" sz="2400" dirty="0">
+                <a:latin typeface="Arial" panose="020B0604020202020204" pitchFamily="34" charset="0"/>
+                <a:cs typeface="Arial" panose="020B0604020202020204" pitchFamily="34" charset="0"/>
+              </a:rPr>
+              <a:t>Printer #1 with RPI</a:t>
+            </a:r>
+            <a:r>
+              <a:rPr lang="hu-HU" sz="2400" dirty="0">
+                <a:latin typeface="Arial" panose="020B0604020202020204" pitchFamily="34" charset="0"/>
+                <a:cs typeface="Arial" panose="020B0604020202020204" pitchFamily="34" charset="0"/>
+              </a:rPr>
+              <a:t>4</a:t>
+            </a:r>
+            <a:r>
+              <a:rPr lang="en-US" sz="2400" dirty="0">
+                <a:latin typeface="Arial" panose="020B0604020202020204" pitchFamily="34" charset="0"/>
+                <a:cs typeface="Arial" panose="020B0604020202020204" pitchFamily="34" charset="0"/>
+              </a:rPr>
+              <a:t>B</a:t>
+            </a:r>
+            <a:r>
+              <a:rPr lang="hu-HU" sz="2400" dirty="0">
+                <a:latin typeface="Arial" panose="020B0604020202020204" pitchFamily="34" charset="0"/>
+                <a:cs typeface="Arial" panose="020B0604020202020204" pitchFamily="34" charset="0"/>
+              </a:rPr>
+              <a:t>+</a:t>
+            </a:r>
+            <a:r>
+              <a:rPr lang="en-US" sz="2400" dirty="0">
+                <a:latin typeface="Arial" panose="020B0604020202020204" pitchFamily="34" charset="0"/>
+                <a:cs typeface="Arial" panose="020B0604020202020204" pitchFamily="34" charset="0"/>
+              </a:rPr>
+              <a:t> &amp; SKR</a:t>
+            </a:r>
+            <a:r>
+              <a:rPr lang="hu-HU" sz="2400" dirty="0">
+                <a:latin typeface="Arial" panose="020B0604020202020204" pitchFamily="34" charset="0"/>
+                <a:cs typeface="Arial" panose="020B0604020202020204" pitchFamily="34" charset="0"/>
+              </a:rPr>
+              <a:t>3</a:t>
+            </a:r>
+            <a:endParaRPr lang="en-US" sz="2400" dirty="0">
+              <a:latin typeface="Arial" panose="020B0604020202020204" pitchFamily="34" charset="0"/>
+              <a:cs typeface="Arial" panose="020B0604020202020204" pitchFamily="34" charset="0"/>
+            </a:endParaRPr>
+          </a:p>
+        </p:txBody>
+      </p:sp>
+      <p:grpSp>
+        <p:nvGrpSpPr>
+          <p:cNvPr id="6" name="Csoportba foglalás 5">
+            <a:extLst>
+              <a:ext uri="{FF2B5EF4-FFF2-40B4-BE49-F238E27FC236}">
+                <a16:creationId xmlns:a16="http://schemas.microsoft.com/office/drawing/2014/main" id="{B5F4B134-D306-CA83-28D9-BABC704B37E3}"/>
+              </a:ext>
+            </a:extLst>
+          </p:cNvPr>
+          <p:cNvGrpSpPr/>
+          <p:nvPr/>
+        </p:nvGrpSpPr>
+        <p:grpSpPr>
+          <a:xfrm>
+            <a:off x="9329678" y="240631"/>
+            <a:ext cx="2686721" cy="1080000"/>
+            <a:chOff x="9329678" y="240631"/>
+            <a:chExt cx="2686721" cy="1080000"/>
+          </a:xfrm>
+        </p:grpSpPr>
+        <p:pic>
+          <p:nvPicPr>
+            <p:cNvPr id="8" name="Kép 7">
+              <a:extLst>
+                <a:ext uri="{FF2B5EF4-FFF2-40B4-BE49-F238E27FC236}">
+                  <a16:creationId xmlns:a16="http://schemas.microsoft.com/office/drawing/2014/main" id="{B892534D-EEAB-ACE5-5EFD-CE27ADFCCD3E}"/>
+                </a:ext>
+              </a:extLst>
+            </p:cNvPr>
+            <p:cNvPicPr>
+              <a:picLocks noChangeAspect="1"/>
+            </p:cNvPicPr>
+            <p:nvPr/>
+          </p:nvPicPr>
+          <p:blipFill>
+            <a:blip r:embed="rId5"/>
+            <a:stretch>
+              <a:fillRect/>
+            </a:stretch>
+          </p:blipFill>
+          <p:spPr>
+            <a:xfrm>
+              <a:off x="9329678" y="240631"/>
+              <a:ext cx="1252744" cy="1080000"/>
+            </a:xfrm>
+            <a:prstGeom prst="rect">
+              <a:avLst/>
+            </a:prstGeom>
+          </p:spPr>
+        </p:pic>
+        <p:pic>
+          <p:nvPicPr>
+            <p:cNvPr id="10" name="Kép 9">
+              <a:extLst>
+                <a:ext uri="{FF2B5EF4-FFF2-40B4-BE49-F238E27FC236}">
+                  <a16:creationId xmlns:a16="http://schemas.microsoft.com/office/drawing/2014/main" id="{2D60D515-2119-7C54-C32F-D0EF1E2EC37A}"/>
+                </a:ext>
+              </a:extLst>
+            </p:cNvPr>
+            <p:cNvPicPr>
+              <a:picLocks noChangeAspect="1"/>
+            </p:cNvPicPr>
+            <p:nvPr/>
+          </p:nvPicPr>
+          <p:blipFill>
+            <a:blip r:embed="rId6"/>
+            <a:srcRect l="3568" t="1476" r="5840" b="2880"/>
+            <a:stretch/>
+          </p:blipFill>
+          <p:spPr>
+            <a:xfrm>
+              <a:off x="10582422" y="240631"/>
+              <a:ext cx="1433977" cy="1080000"/>
+            </a:xfrm>
+            <a:prstGeom prst="rect">
+              <a:avLst/>
+            </a:prstGeom>
+          </p:spPr>
+        </p:pic>
+      </p:grpSp>
+      <p:sp>
+        <p:nvSpPr>
+          <p:cNvPr id="12" name="Dia számának helye 11">
+            <a:extLst>
+              <a:ext uri="{FF2B5EF4-FFF2-40B4-BE49-F238E27FC236}">
+                <a16:creationId xmlns:a16="http://schemas.microsoft.com/office/drawing/2014/main" id="{13BFEF6B-219A-2251-A579-EF8E216D05EB}"/>
+              </a:ext>
+            </a:extLst>
+          </p:cNvPr>
+          <p:cNvSpPr>
+            <a:spLocks noGrp="1"/>
+          </p:cNvSpPr>
+          <p:nvPr>
+            <p:ph type="sldNum" sz="quarter" idx="12"/>
+          </p:nvPr>
+        </p:nvSpPr>
+        <p:spPr/>
+        <p:txBody>
+          <a:bodyPr/>
+          <a:lstStyle/>
+          <a:p>
+            <a:fld id="{14E52168-B9DD-41CD-A642-D7ABA3F47CE8}" type="slidenum">
+              <a:rPr lang="hu-HU" smtClean="0"/>
+              <a:t>10</a:t>
+            </a:fld>
+            <a:endParaRPr lang="hu-HU"/>
+          </a:p>
+        </p:txBody>
+      </p:sp>
+    </p:spTree>
+    <p:extLst>
+      <p:ext uri="{BB962C8B-B14F-4D97-AF65-F5344CB8AC3E}">
+        <p14:creationId xmlns:p14="http://schemas.microsoft.com/office/powerpoint/2010/main" val="2347086967"/>
+      </p:ext>
+    </p:extLst>
+  </p:cSld>
+  <p:clrMapOvr>
+    <a:masterClrMapping/>
+  </p:clrMapOvr>
+</p:sld>
+</file>
+
+<file path=ppt/slides/slide11.xml><?xml version="1.0" encoding="utf-8"?>
+<p:sld xmlns:a="http://schemas.openxmlformats.org/drawingml/2006/main" xmlns:r="http://schemas.openxmlformats.org/officeDocument/2006/relationships" xmlns:p="http://schemas.openxmlformats.org/presentationml/2006/main">
+  <p:cSld>
+    <p:spTree>
+      <p:nvGrpSpPr>
+        <p:cNvPr id="1" name=""/>
+        <p:cNvGrpSpPr/>
+        <p:nvPr/>
+      </p:nvGrpSpPr>
+      <p:grpSpPr>
+        <a:xfrm>
+          <a:off x="0" y="0"/>
+          <a:ext cx="0" cy="0"/>
+          <a:chOff x="0" y="0"/>
+          <a:chExt cx="0" cy="0"/>
+        </a:xfrm>
+      </p:grpSpPr>
+      <p:pic>
+        <p:nvPicPr>
+          <p:cNvPr id="3" name="Kép 2">
+            <a:extLst>
+              <a:ext uri="{FF2B5EF4-FFF2-40B4-BE49-F238E27FC236}">
+                <a16:creationId xmlns:a16="http://schemas.microsoft.com/office/drawing/2014/main" id="{D165A8B4-7A6A-B513-42FD-E52C37EE2715}"/>
+              </a:ext>
+            </a:extLst>
+          </p:cNvPr>
+          <p:cNvPicPr>
+            <a:picLocks noChangeAspect="1"/>
+          </p:cNvPicPr>
+          <p:nvPr/>
+        </p:nvPicPr>
+        <p:blipFill>
+          <a:blip r:embed="rId2"/>
+          <a:stretch>
+            <a:fillRect/>
+          </a:stretch>
+        </p:blipFill>
+        <p:spPr>
+          <a:xfrm>
+            <a:off x="6453466" y="962877"/>
+            <a:ext cx="3772227" cy="4366638"/>
+          </a:xfrm>
+          <a:prstGeom prst="rect">
+            <a:avLst/>
+          </a:prstGeom>
+        </p:spPr>
+      </p:pic>
+      <p:pic>
+        <p:nvPicPr>
+          <p:cNvPr id="9" name="Kép 8">
+            <a:extLst>
+              <a:ext uri="{FF2B5EF4-FFF2-40B4-BE49-F238E27FC236}">
+                <a16:creationId xmlns:a16="http://schemas.microsoft.com/office/drawing/2014/main" id="{1A2C3B26-5B61-602E-81BF-801F4DEE34E5}"/>
+              </a:ext>
+            </a:extLst>
+          </p:cNvPr>
+          <p:cNvPicPr>
+            <a:picLocks noChangeAspect="1"/>
+          </p:cNvPicPr>
+          <p:nvPr/>
+        </p:nvPicPr>
+        <p:blipFill>
+          <a:blip r:embed="rId3"/>
+          <a:stretch>
+            <a:fillRect/>
+          </a:stretch>
+        </p:blipFill>
+        <p:spPr>
+          <a:xfrm>
+            <a:off x="5879895" y="3978111"/>
+            <a:ext cx="829378" cy="721265"/>
+          </a:xfrm>
+          <a:prstGeom prst="rect">
+            <a:avLst/>
+          </a:prstGeom>
+        </p:spPr>
+      </p:pic>
+      <p:pic>
+        <p:nvPicPr>
+          <p:cNvPr id="11" name="Kép 10">
+            <a:extLst>
+              <a:ext uri="{FF2B5EF4-FFF2-40B4-BE49-F238E27FC236}">
+                <a16:creationId xmlns:a16="http://schemas.microsoft.com/office/drawing/2014/main" id="{58FA2AA2-3F34-121A-18C1-B344FEF9C566}"/>
+              </a:ext>
+            </a:extLst>
+          </p:cNvPr>
+          <p:cNvPicPr>
+            <a:picLocks noChangeAspect="1"/>
+          </p:cNvPicPr>
+          <p:nvPr/>
+        </p:nvPicPr>
+        <p:blipFill>
+          <a:blip r:embed="rId4"/>
+          <a:stretch>
+            <a:fillRect/>
+          </a:stretch>
+        </p:blipFill>
+        <p:spPr>
+          <a:xfrm>
+            <a:off x="5789228" y="5006390"/>
+            <a:ext cx="1010712" cy="788518"/>
+          </a:xfrm>
+          <a:prstGeom prst="rect">
+            <a:avLst/>
+          </a:prstGeom>
+        </p:spPr>
+      </p:pic>
+      <p:pic>
+        <p:nvPicPr>
+          <p:cNvPr id="5" name="Kép 4">
+            <a:extLst>
+              <a:ext uri="{FF2B5EF4-FFF2-40B4-BE49-F238E27FC236}">
+                <a16:creationId xmlns:a16="http://schemas.microsoft.com/office/drawing/2014/main" id="{931A50D0-475E-63BE-D903-19C250B95776}"/>
+              </a:ext>
+            </a:extLst>
+          </p:cNvPr>
+          <p:cNvPicPr>
+            <a:picLocks noChangeAspect="1"/>
+          </p:cNvPicPr>
+          <p:nvPr/>
+        </p:nvPicPr>
+        <p:blipFill>
+          <a:blip r:embed="rId5"/>
+          <a:stretch>
+            <a:fillRect/>
+          </a:stretch>
+        </p:blipFill>
+        <p:spPr>
+          <a:xfrm>
+            <a:off x="1211159" y="1300619"/>
+            <a:ext cx="4093925" cy="4864790"/>
+          </a:xfrm>
+          <a:prstGeom prst="rect">
+            <a:avLst/>
+          </a:prstGeom>
+        </p:spPr>
+      </p:pic>
+      <p:pic>
+        <p:nvPicPr>
+          <p:cNvPr id="8" name="Kép 7">
+            <a:extLst>
+              <a:ext uri="{FF2B5EF4-FFF2-40B4-BE49-F238E27FC236}">
+                <a16:creationId xmlns:a16="http://schemas.microsoft.com/office/drawing/2014/main" id="{2608131A-C017-FACF-36ED-BD4FF43C6CCF}"/>
+              </a:ext>
+            </a:extLst>
+          </p:cNvPr>
+          <p:cNvPicPr>
+            <a:picLocks noChangeAspect="1"/>
+          </p:cNvPicPr>
+          <p:nvPr/>
+        </p:nvPicPr>
+        <p:blipFill>
+          <a:blip r:embed="rId6"/>
+          <a:stretch>
+            <a:fillRect/>
+          </a:stretch>
+        </p:blipFill>
+        <p:spPr>
+          <a:xfrm>
+            <a:off x="9401939" y="3864990"/>
+            <a:ext cx="2236559" cy="2583381"/>
+          </a:xfrm>
+          <a:prstGeom prst="rect">
+            <a:avLst/>
+          </a:prstGeom>
+        </p:spPr>
+      </p:pic>
+      <p:sp>
+        <p:nvSpPr>
+          <p:cNvPr id="10" name="Szövegdoboz 9">
+            <a:extLst>
+              <a:ext uri="{FF2B5EF4-FFF2-40B4-BE49-F238E27FC236}">
+                <a16:creationId xmlns:a16="http://schemas.microsoft.com/office/drawing/2014/main" id="{214B4D72-F884-30E7-2C13-3A16E744A8C2}"/>
+              </a:ext>
+            </a:extLst>
+          </p:cNvPr>
+          <p:cNvSpPr txBox="1"/>
+          <p:nvPr/>
+        </p:nvSpPr>
+        <p:spPr>
+          <a:xfrm>
+            <a:off x="857839" y="452487"/>
+            <a:ext cx="4242062" cy="369332"/>
+          </a:xfrm>
+          <a:prstGeom prst="rect">
+            <a:avLst/>
+          </a:prstGeom>
+          <a:noFill/>
+        </p:spPr>
+        <p:txBody>
+          <a:bodyPr wrap="square" rtlCol="0">
+            <a:spAutoFit/>
+          </a:bodyPr>
+          <a:lstStyle/>
+          <a:p>
+            <a:r>
+              <a:rPr lang="hu-HU" dirty="0" err="1"/>
+              <a:t>Volcano</a:t>
+            </a:r>
+            <a:r>
+              <a:rPr lang="hu-HU" dirty="0"/>
+              <a:t> V6 </a:t>
+            </a:r>
+            <a:r>
+              <a:rPr lang="hu-HU" dirty="0" err="1"/>
+              <a:t>extruder</a:t>
+            </a:r>
+            <a:endParaRPr lang="hu-HU" dirty="0"/>
+          </a:p>
+        </p:txBody>
+      </p:sp>
+    </p:spTree>
+    <p:extLst>
+      <p:ext uri="{BB962C8B-B14F-4D97-AF65-F5344CB8AC3E}">
+        <p14:creationId xmlns:p14="http://schemas.microsoft.com/office/powerpoint/2010/main" val="946348318"/>
+      </p:ext>
+    </p:extLst>
+  </p:cSld>
+  <p:clrMapOvr>
+    <a:masterClrMapping/>
+  </p:clrMapOvr>
+</p:sld>
+</file>
+
+<file path=ppt/slides/slide12.xml><?xml version="1.0" encoding="utf-8"?>
+<p:sld xmlns:a="http://schemas.openxmlformats.org/drawingml/2006/main" xmlns:r="http://schemas.openxmlformats.org/officeDocument/2006/relationships" xmlns:p="http://schemas.openxmlformats.org/presentationml/2006/main">
+  <p:cSld>
+    <p:spTree>
+      <p:nvGrpSpPr>
+        <p:cNvPr id="1" name="">
+          <a:extLst>
+            <a:ext uri="{FF2B5EF4-FFF2-40B4-BE49-F238E27FC236}">
+              <a16:creationId xmlns:a16="http://schemas.microsoft.com/office/drawing/2014/main" id="{24A7BA47-64B2-5AA1-1978-DBD0180E5CCD}"/>
+            </a:ext>
+          </a:extLst>
+        </p:cNvPr>
+        <p:cNvGrpSpPr/>
+        <p:nvPr/>
+      </p:nvGrpSpPr>
+      <p:grpSpPr>
+        <a:xfrm>
+          <a:off x="0" y="0"/>
+          <a:ext cx="0" cy="0"/>
+          <a:chOff x="0" y="0"/>
+          <a:chExt cx="0" cy="0"/>
+        </a:xfrm>
+      </p:grpSpPr>
+      <p:pic>
+        <p:nvPicPr>
+          <p:cNvPr id="3" name="Kép 2">
+            <a:extLst>
+              <a:ext uri="{FF2B5EF4-FFF2-40B4-BE49-F238E27FC236}">
+                <a16:creationId xmlns:a16="http://schemas.microsoft.com/office/drawing/2014/main" id="{7107BE64-C194-1582-92C7-B3198C223ADD}"/>
+              </a:ext>
+            </a:extLst>
+          </p:cNvPr>
+          <p:cNvPicPr>
+            <a:picLocks noChangeAspect="1"/>
+          </p:cNvPicPr>
+          <p:nvPr/>
+        </p:nvPicPr>
+        <p:blipFill>
+          <a:blip r:embed="rId2"/>
+          <a:stretch>
+            <a:fillRect/>
+          </a:stretch>
+        </p:blipFill>
+        <p:spPr>
+          <a:xfrm>
+            <a:off x="1346806" y="1155777"/>
+            <a:ext cx="10006994" cy="5324535"/>
+          </a:xfrm>
+          <a:prstGeom prst="rect">
+            <a:avLst/>
+          </a:prstGeom>
+        </p:spPr>
+      </p:pic>
+      <p:sp>
+        <p:nvSpPr>
+          <p:cNvPr id="5" name="Rectangle 1">
+            <a:extLst>
+              <a:ext uri="{FF2B5EF4-FFF2-40B4-BE49-F238E27FC236}">
+                <a16:creationId xmlns:a16="http://schemas.microsoft.com/office/drawing/2014/main" id="{FF8C1784-B6DA-20E3-8EE2-4DD2B80087E6}"/>
+              </a:ext>
+            </a:extLst>
+          </p:cNvPr>
+          <p:cNvSpPr txBox="1">
+            <a:spLocks noChangeArrowheads="1"/>
+          </p:cNvSpPr>
+          <p:nvPr/>
+        </p:nvSpPr>
+        <p:spPr bwMode="auto">
+          <a:xfrm>
+            <a:off x="838200" y="377688"/>
+            <a:ext cx="2598788" cy="461665"/>
+          </a:xfrm>
+          <a:prstGeom prst="rect">
+            <a:avLst/>
+          </a:prstGeom>
+          <a:noFill/>
+          <a:ln>
+            <a:noFill/>
+          </a:ln>
+          <a:effectLst/>
+          <a:extLst>
+            <a:ext uri="{909E8E84-426E-40DD-AFC4-6F175D3DCCD1}">
+              <a14:hiddenFill xmlns:a14="http://schemas.microsoft.com/office/drawing/2010/main">
+                <a:solidFill>
+                  <a:schemeClr val="accent1"/>
+                </a:solidFill>
+              </a14:hiddenFill>
+            </a:ext>
+            <a:ext uri="{91240B29-F687-4F45-9708-019B960494DF}">
+              <a14:hiddenLine xmlns:a14="http://schemas.microsoft.com/office/drawing/2010/main" w="9525">
+                <a:solidFill>
+                  <a:schemeClr val="tx1"/>
+                </a:solidFill>
+                <a:miter lim="800000"/>
+                <a:headEnd/>
+                <a:tailEnd/>
+              </a14:hiddenLine>
+            </a:ext>
+            <a:ext uri="{AF507438-7753-43E0-B8FC-AC1667EBCBE1}">
+              <a14:hiddenEffects xmlns:a14="http://schemas.microsoft.com/office/drawing/2010/main">
+                <a:effectLst>
+                  <a:outerShdw dist="35921" dir="2700000" algn="ctr" rotWithShape="0">
+                    <a:schemeClr val="bg2"/>
+                  </a:outerShdw>
+                </a:effectLst>
+              </a14:hiddenEffects>
+            </a:ext>
+          </a:extLst>
+        </p:spPr>
+        <p:txBody>
+          <a:bodyPr vert="horz" wrap="none" lIns="91440" tIns="45720" rIns="91440" bIns="45720" numCol="1" rtlCol="0" anchor="ctr" anchorCtr="0" compatLnSpc="1">
+            <a:prstTxWarp prst="textNoShape">
+              <a:avLst/>
+            </a:prstTxWarp>
+            <a:spAutoFit/>
+          </a:bodyPr>
+          <a:lstStyle>
+            <a:lvl1pPr algn="ctr" defTabSz="914400" rtl="0" eaLnBrk="1" latinLnBrk="0" hangingPunct="1">
+              <a:lnSpc>
+                <a:spcPct val="90000"/>
+              </a:lnSpc>
+              <a:spcBef>
+                <a:spcPct val="0"/>
+              </a:spcBef>
+              <a:buNone/>
+              <a:defRPr sz="6000" kern="1200">
+                <a:solidFill>
+                  <a:schemeClr val="tx1"/>
+                </a:solidFill>
+                <a:latin typeface="+mj-lt"/>
+                <a:ea typeface="+mj-ea"/>
+                <a:cs typeface="+mj-cs"/>
+              </a:defRPr>
+            </a:lvl1pPr>
+          </a:lstStyle>
+          <a:p>
+            <a:pPr algn="l" eaLnBrk="0" fontAlgn="base" hangingPunct="0">
+              <a:lnSpc>
+                <a:spcPct val="100000"/>
+              </a:lnSpc>
+              <a:spcAft>
+                <a:spcPct val="0"/>
+              </a:spcAft>
+            </a:pPr>
+            <a:r>
               <a:rPr lang="hu-HU" sz="2400" dirty="0" err="1">
                 <a:latin typeface="Arial" panose="020B0604020202020204" pitchFamily="34" charset="0"/>
                 <a:cs typeface="Arial" panose="020B0604020202020204" pitchFamily="34" charset="0"/>
@@ -3946,7 +4408,7 @@
           <a:p>
             <a:fld id="{14E52168-B9DD-41CD-A642-D7ABA3F47CE8}" type="slidenum">
               <a:rPr lang="hu-HU" smtClean="0"/>
-              <a:t>11</a:t>
+              <a:t>12</a:t>
             </a:fld>
             <a:endParaRPr lang="hu-HU"/>
           </a:p>
